--- a/CreationalPattern도표.pptx
+++ b/CreationalPattern도표.pptx
@@ -6,6 +6,7 @@
   </p:sldMasterIdLst>
   <p:sldIdLst>
     <p:sldId id="256" r:id="rId2"/>
+    <p:sldId id="257" r:id="rId3"/>
   </p:sldIdLst>
   <p:sldSz cx="12192000" cy="6858000"/>
   <p:notesSz cx="6858000" cy="9144000"/>
@@ -104,6 +105,11 @@
       </a:defRPr>
     </a:lvl9pPr>
   </p:defaultTextStyle>
+  <p:extLst>
+    <p:ext uri="{EFAFB233-063F-42B5-8137-9DF3F51BA10A}">
+      <p15:sldGuideLst xmlns:p15="http://schemas.microsoft.com/office/powerpoint/2012/main"/>
+    </p:ext>
+  </p:extLst>
 </p:presentation>
 </file>
 
@@ -4625,6 +4631,508 @@
 </p:sld>
 </file>
 
+<file path=ppt/slides/slide2.xml><?xml version="1.0" encoding="utf-8"?>
+<p:sld xmlns:a="http://schemas.openxmlformats.org/drawingml/2006/main" xmlns:r="http://schemas.openxmlformats.org/officeDocument/2006/relationships" xmlns:p="http://schemas.openxmlformats.org/presentationml/2006/main">
+  <p:cSld>
+    <p:spTree>
+      <p:nvGrpSpPr>
+        <p:cNvPr id="1" name=""/>
+        <p:cNvGrpSpPr/>
+        <p:nvPr/>
+      </p:nvGrpSpPr>
+      <p:grpSpPr>
+        <a:xfrm>
+          <a:off x="0" y="0"/>
+          <a:ext cx="0" cy="0"/>
+          <a:chOff x="0" y="0"/>
+          <a:chExt cx="0" cy="0"/>
+        </a:xfrm>
+      </p:grpSpPr>
+      <p:sp>
+        <p:nvSpPr>
+          <p:cNvPr id="4" name="TextBox 3">
+            <a:extLst>
+              <a:ext uri="{FF2B5EF4-FFF2-40B4-BE49-F238E27FC236}">
+                <a16:creationId xmlns:a16="http://schemas.microsoft.com/office/drawing/2014/main" id="{C41B5DFA-B45D-C8A7-81E8-0DAC97B89E4B}"/>
+              </a:ext>
+            </a:extLst>
+          </p:cNvPr>
+          <p:cNvSpPr txBox="1"/>
+          <p:nvPr/>
+        </p:nvSpPr>
+        <p:spPr>
+          <a:xfrm>
+            <a:off x="1288869" y="687977"/>
+            <a:ext cx="1811714" cy="369332"/>
+          </a:xfrm>
+          <a:prstGeom prst="rect">
+            <a:avLst/>
+          </a:prstGeom>
+          <a:noFill/>
+        </p:spPr>
+        <p:txBody>
+          <a:bodyPr wrap="none" rtlCol="0">
+            <a:spAutoFit/>
+          </a:bodyPr>
+          <a:lstStyle/>
+          <a:p>
+            <a:r>
+              <a:rPr lang="en-US" altLang="ko-KR" dirty="0"/>
+              <a:t>builder (</a:t>
+            </a:r>
+            <a:r>
+              <a:rPr lang="ko-KR" altLang="en-US" dirty="0" err="1"/>
+              <a:t>빌더</a:t>
+            </a:r>
+            <a:r>
+              <a:rPr lang="en-US" altLang="ko-KR" dirty="0"/>
+              <a:t>) : </a:t>
+            </a:r>
+          </a:p>
+        </p:txBody>
+      </p:sp>
+      <p:sp>
+        <p:nvSpPr>
+          <p:cNvPr id="5" name="직사각형 4">
+            <a:extLst>
+              <a:ext uri="{FF2B5EF4-FFF2-40B4-BE49-F238E27FC236}">
+                <a16:creationId xmlns:a16="http://schemas.microsoft.com/office/drawing/2014/main" id="{22A9D6F5-077F-1C21-6B7C-F46DF2753612}"/>
+              </a:ext>
+            </a:extLst>
+          </p:cNvPr>
+          <p:cNvSpPr/>
+          <p:nvPr/>
+        </p:nvSpPr>
+        <p:spPr>
+          <a:xfrm>
+            <a:off x="2231571" y="2394857"/>
+            <a:ext cx="1915886" cy="914400"/>
+          </a:xfrm>
+          <a:prstGeom prst="rect">
+            <a:avLst/>
+          </a:prstGeom>
+        </p:spPr>
+        <p:style>
+          <a:lnRef idx="2">
+            <a:schemeClr val="accent1">
+              <a:shade val="50000"/>
+            </a:schemeClr>
+          </a:lnRef>
+          <a:fillRef idx="1">
+            <a:schemeClr val="accent1"/>
+          </a:fillRef>
+          <a:effectRef idx="0">
+            <a:schemeClr val="accent1"/>
+          </a:effectRef>
+          <a:fontRef idx="minor">
+            <a:schemeClr val="lt1"/>
+          </a:fontRef>
+        </p:style>
+        <p:txBody>
+          <a:bodyPr rtlCol="0" anchor="ctr"/>
+          <a:lstStyle/>
+          <a:p>
+            <a:pPr algn="ctr"/>
+            <a:r>
+              <a:rPr lang="en-US" altLang="ko-KR" dirty="0"/>
+              <a:t>Director</a:t>
+            </a:r>
+            <a:endParaRPr lang="ko-KR" altLang="en-US" dirty="0"/>
+          </a:p>
+        </p:txBody>
+      </p:sp>
+      <p:sp>
+        <p:nvSpPr>
+          <p:cNvPr id="6" name="직사각형 5">
+            <a:extLst>
+              <a:ext uri="{FF2B5EF4-FFF2-40B4-BE49-F238E27FC236}">
+                <a16:creationId xmlns:a16="http://schemas.microsoft.com/office/drawing/2014/main" id="{5D6DCF46-9A47-AA69-CCD7-C3EFDA89072D}"/>
+              </a:ext>
+            </a:extLst>
+          </p:cNvPr>
+          <p:cNvSpPr/>
+          <p:nvPr/>
+        </p:nvSpPr>
+        <p:spPr>
+          <a:xfrm>
+            <a:off x="5519057" y="2394857"/>
+            <a:ext cx="1915886" cy="914400"/>
+          </a:xfrm>
+          <a:prstGeom prst="rect">
+            <a:avLst/>
+          </a:prstGeom>
+        </p:spPr>
+        <p:style>
+          <a:lnRef idx="2">
+            <a:schemeClr val="accent1">
+              <a:shade val="50000"/>
+            </a:schemeClr>
+          </a:lnRef>
+          <a:fillRef idx="1">
+            <a:schemeClr val="accent1"/>
+          </a:fillRef>
+          <a:effectRef idx="0">
+            <a:schemeClr val="accent1"/>
+          </a:effectRef>
+          <a:fontRef idx="minor">
+            <a:schemeClr val="lt1"/>
+          </a:fontRef>
+        </p:style>
+        <p:txBody>
+          <a:bodyPr rtlCol="0" anchor="ctr"/>
+          <a:lstStyle/>
+          <a:p>
+            <a:pPr algn="ctr"/>
+            <a:r>
+              <a:rPr lang="en-US" altLang="ko-KR" dirty="0"/>
+              <a:t>Builder</a:t>
+            </a:r>
+            <a:endParaRPr lang="ko-KR" altLang="en-US" dirty="0"/>
+          </a:p>
+        </p:txBody>
+      </p:sp>
+      <p:sp>
+        <p:nvSpPr>
+          <p:cNvPr id="7" name="직사각형 6">
+            <a:extLst>
+              <a:ext uri="{FF2B5EF4-FFF2-40B4-BE49-F238E27FC236}">
+                <a16:creationId xmlns:a16="http://schemas.microsoft.com/office/drawing/2014/main" id="{2B5A7448-22A3-09D9-30D6-E9123BAB8387}"/>
+              </a:ext>
+            </a:extLst>
+          </p:cNvPr>
+          <p:cNvSpPr/>
+          <p:nvPr/>
+        </p:nvSpPr>
+        <p:spPr>
+          <a:xfrm>
+            <a:off x="5508171" y="4093028"/>
+            <a:ext cx="1915886" cy="914400"/>
+          </a:xfrm>
+          <a:prstGeom prst="rect">
+            <a:avLst/>
+          </a:prstGeom>
+        </p:spPr>
+        <p:style>
+          <a:lnRef idx="2">
+            <a:schemeClr val="accent1">
+              <a:shade val="50000"/>
+            </a:schemeClr>
+          </a:lnRef>
+          <a:fillRef idx="1">
+            <a:schemeClr val="accent1"/>
+          </a:fillRef>
+          <a:effectRef idx="0">
+            <a:schemeClr val="accent1"/>
+          </a:effectRef>
+          <a:fontRef idx="minor">
+            <a:schemeClr val="lt1"/>
+          </a:fontRef>
+        </p:style>
+        <p:txBody>
+          <a:bodyPr rtlCol="0" anchor="ctr"/>
+          <a:lstStyle/>
+          <a:p>
+            <a:pPr algn="ctr"/>
+            <a:r>
+              <a:rPr lang="en-US" altLang="ko-KR" dirty="0" err="1"/>
+              <a:t>concreteBuilder</a:t>
+            </a:r>
+            <a:endParaRPr lang="ko-KR" altLang="en-US" dirty="0"/>
+          </a:p>
+        </p:txBody>
+      </p:sp>
+      <p:sp>
+        <p:nvSpPr>
+          <p:cNvPr id="8" name="직사각형 7">
+            <a:extLst>
+              <a:ext uri="{FF2B5EF4-FFF2-40B4-BE49-F238E27FC236}">
+                <a16:creationId xmlns:a16="http://schemas.microsoft.com/office/drawing/2014/main" id="{7656369B-7E9A-0198-14F4-EF5A6E39223C}"/>
+              </a:ext>
+            </a:extLst>
+          </p:cNvPr>
+          <p:cNvSpPr/>
+          <p:nvPr/>
+        </p:nvSpPr>
+        <p:spPr>
+          <a:xfrm>
+            <a:off x="8338457" y="4093028"/>
+            <a:ext cx="1915886" cy="914400"/>
+          </a:xfrm>
+          <a:prstGeom prst="rect">
+            <a:avLst/>
+          </a:prstGeom>
+        </p:spPr>
+        <p:style>
+          <a:lnRef idx="2">
+            <a:schemeClr val="accent1">
+              <a:shade val="50000"/>
+            </a:schemeClr>
+          </a:lnRef>
+          <a:fillRef idx="1">
+            <a:schemeClr val="accent1"/>
+          </a:fillRef>
+          <a:effectRef idx="0">
+            <a:schemeClr val="accent1"/>
+          </a:effectRef>
+          <a:fontRef idx="minor">
+            <a:schemeClr val="lt1"/>
+          </a:fontRef>
+        </p:style>
+        <p:txBody>
+          <a:bodyPr rtlCol="0" anchor="ctr"/>
+          <a:lstStyle/>
+          <a:p>
+            <a:pPr algn="ctr"/>
+            <a:r>
+              <a:rPr lang="en-US" altLang="ko-KR" dirty="0"/>
+              <a:t>Product1</a:t>
+            </a:r>
+            <a:endParaRPr lang="ko-KR" altLang="en-US" dirty="0"/>
+          </a:p>
+        </p:txBody>
+      </p:sp>
+      <p:cxnSp>
+        <p:nvCxnSpPr>
+          <p:cNvPr id="12" name="직선 화살표 연결선 11">
+            <a:extLst>
+              <a:ext uri="{FF2B5EF4-FFF2-40B4-BE49-F238E27FC236}">
+                <a16:creationId xmlns:a16="http://schemas.microsoft.com/office/drawing/2014/main" id="{2D00972C-C674-6C8B-0A79-C90ADC0B593B}"/>
+              </a:ext>
+            </a:extLst>
+          </p:cNvPr>
+          <p:cNvCxnSpPr>
+            <a:stCxn id="6" idx="2"/>
+            <a:endCxn id="7" idx="0"/>
+          </p:cNvCxnSpPr>
+          <p:nvPr/>
+        </p:nvCxnSpPr>
+        <p:spPr>
+          <a:xfrm flipH="1">
+            <a:off x="6466114" y="3309257"/>
+            <a:ext cx="10886" cy="783771"/>
+          </a:xfrm>
+          <a:prstGeom prst="straightConnector1">
+            <a:avLst/>
+          </a:prstGeom>
+          <a:ln>
+            <a:tailEnd type="triangle"/>
+          </a:ln>
+        </p:spPr>
+        <p:style>
+          <a:lnRef idx="1">
+            <a:schemeClr val="accent1"/>
+          </a:lnRef>
+          <a:fillRef idx="0">
+            <a:schemeClr val="accent1"/>
+          </a:fillRef>
+          <a:effectRef idx="0">
+            <a:schemeClr val="accent1"/>
+          </a:effectRef>
+          <a:fontRef idx="minor">
+            <a:schemeClr val="tx1"/>
+          </a:fontRef>
+        </p:style>
+      </p:cxnSp>
+      <p:cxnSp>
+        <p:nvCxnSpPr>
+          <p:cNvPr id="19" name="직선 화살표 연결선 18">
+            <a:extLst>
+              <a:ext uri="{FF2B5EF4-FFF2-40B4-BE49-F238E27FC236}">
+                <a16:creationId xmlns:a16="http://schemas.microsoft.com/office/drawing/2014/main" id="{54D04EC1-A28E-7F64-FBC9-4A6358BA85CD}"/>
+              </a:ext>
+            </a:extLst>
+          </p:cNvPr>
+          <p:cNvCxnSpPr>
+            <a:stCxn id="6" idx="1"/>
+            <a:endCxn id="5" idx="3"/>
+          </p:cNvCxnSpPr>
+          <p:nvPr/>
+        </p:nvCxnSpPr>
+        <p:spPr>
+          <a:xfrm flipH="1">
+            <a:off x="4147457" y="2852057"/>
+            <a:ext cx="1371600" cy="0"/>
+          </a:xfrm>
+          <a:prstGeom prst="straightConnector1">
+            <a:avLst/>
+          </a:prstGeom>
+          <a:ln>
+            <a:solidFill>
+              <a:schemeClr val="accent2"/>
+            </a:solidFill>
+            <a:prstDash val="dashDot"/>
+            <a:tailEnd type="triangle"/>
+          </a:ln>
+        </p:spPr>
+        <p:style>
+          <a:lnRef idx="1">
+            <a:schemeClr val="accent1"/>
+          </a:lnRef>
+          <a:fillRef idx="0">
+            <a:schemeClr val="accent1"/>
+          </a:fillRef>
+          <a:effectRef idx="0">
+            <a:schemeClr val="accent1"/>
+          </a:effectRef>
+          <a:fontRef idx="minor">
+            <a:schemeClr val="tx1"/>
+          </a:fontRef>
+        </p:style>
+      </p:cxnSp>
+      <p:cxnSp>
+        <p:nvCxnSpPr>
+          <p:cNvPr id="21" name="직선 화살표 연결선 20">
+            <a:extLst>
+              <a:ext uri="{FF2B5EF4-FFF2-40B4-BE49-F238E27FC236}">
+                <a16:creationId xmlns:a16="http://schemas.microsoft.com/office/drawing/2014/main" id="{FB733638-2783-9993-E631-1170DC8EC612}"/>
+              </a:ext>
+            </a:extLst>
+          </p:cNvPr>
+          <p:cNvCxnSpPr>
+            <a:stCxn id="8" idx="1"/>
+            <a:endCxn id="7" idx="3"/>
+          </p:cNvCxnSpPr>
+          <p:nvPr/>
+        </p:nvCxnSpPr>
+        <p:spPr>
+          <a:xfrm flipH="1">
+            <a:off x="7424057" y="4550228"/>
+            <a:ext cx="914400" cy="0"/>
+          </a:xfrm>
+          <a:prstGeom prst="straightConnector1">
+            <a:avLst/>
+          </a:prstGeom>
+          <a:ln>
+            <a:solidFill>
+              <a:schemeClr val="accent2"/>
+            </a:solidFill>
+            <a:prstDash val="dash"/>
+            <a:tailEnd type="triangle"/>
+          </a:ln>
+        </p:spPr>
+        <p:style>
+          <a:lnRef idx="1">
+            <a:schemeClr val="accent1"/>
+          </a:lnRef>
+          <a:fillRef idx="0">
+            <a:schemeClr val="accent1"/>
+          </a:fillRef>
+          <a:effectRef idx="0">
+            <a:schemeClr val="accent1"/>
+          </a:effectRef>
+          <a:fontRef idx="minor">
+            <a:schemeClr val="tx1"/>
+          </a:fontRef>
+        </p:style>
+      </p:cxnSp>
+      <p:sp>
+        <p:nvSpPr>
+          <p:cNvPr id="22" name="타원 21">
+            <a:extLst>
+              <a:ext uri="{FF2B5EF4-FFF2-40B4-BE49-F238E27FC236}">
+                <a16:creationId xmlns:a16="http://schemas.microsoft.com/office/drawing/2014/main" id="{E33544A3-BD57-92C8-B764-61FB2FA7786A}"/>
+              </a:ext>
+            </a:extLst>
+          </p:cNvPr>
+          <p:cNvSpPr/>
+          <p:nvPr/>
+        </p:nvSpPr>
+        <p:spPr>
+          <a:xfrm>
+            <a:off x="2090056" y="4093029"/>
+            <a:ext cx="2220686" cy="914399"/>
+          </a:xfrm>
+          <a:prstGeom prst="ellipse">
+            <a:avLst/>
+          </a:prstGeom>
+        </p:spPr>
+        <p:style>
+          <a:lnRef idx="2">
+            <a:schemeClr val="accent1">
+              <a:shade val="50000"/>
+            </a:schemeClr>
+          </a:lnRef>
+          <a:fillRef idx="1">
+            <a:schemeClr val="accent1"/>
+          </a:fillRef>
+          <a:effectRef idx="0">
+            <a:schemeClr val="accent1"/>
+          </a:effectRef>
+          <a:fontRef idx="minor">
+            <a:schemeClr val="lt1"/>
+          </a:fontRef>
+        </p:style>
+        <p:txBody>
+          <a:bodyPr rtlCol="0" anchor="ctr"/>
+          <a:lstStyle/>
+          <a:p>
+            <a:pPr algn="ctr"/>
+            <a:r>
+              <a:rPr lang="en-US" altLang="ko-KR" dirty="0"/>
+              <a:t>client</a:t>
+            </a:r>
+            <a:endParaRPr lang="ko-KR" altLang="en-US" dirty="0"/>
+          </a:p>
+        </p:txBody>
+      </p:sp>
+      <p:cxnSp>
+        <p:nvCxnSpPr>
+          <p:cNvPr id="24" name="직선 화살표 연결선 23">
+            <a:extLst>
+              <a:ext uri="{FF2B5EF4-FFF2-40B4-BE49-F238E27FC236}">
+                <a16:creationId xmlns:a16="http://schemas.microsoft.com/office/drawing/2014/main" id="{72629AFF-125F-FA01-F310-D0415EB3E245}"/>
+              </a:ext>
+            </a:extLst>
+          </p:cNvPr>
+          <p:cNvCxnSpPr>
+            <a:stCxn id="22" idx="0"/>
+            <a:endCxn id="5" idx="2"/>
+          </p:cNvCxnSpPr>
+          <p:nvPr/>
+        </p:nvCxnSpPr>
+        <p:spPr>
+          <a:xfrm flipH="1" flipV="1">
+            <a:off x="3189514" y="3309257"/>
+            <a:ext cx="10885" cy="783772"/>
+          </a:xfrm>
+          <a:prstGeom prst="straightConnector1">
+            <a:avLst/>
+          </a:prstGeom>
+          <a:ln w="12700">
+            <a:solidFill>
+              <a:srgbClr val="7030A0"/>
+            </a:solidFill>
+            <a:tailEnd type="triangle"/>
+          </a:ln>
+        </p:spPr>
+        <p:style>
+          <a:lnRef idx="1">
+            <a:schemeClr val="accent1"/>
+          </a:lnRef>
+          <a:fillRef idx="0">
+            <a:schemeClr val="accent1"/>
+          </a:fillRef>
+          <a:effectRef idx="0">
+            <a:schemeClr val="accent1"/>
+          </a:effectRef>
+          <a:fontRef idx="minor">
+            <a:schemeClr val="tx1"/>
+          </a:fontRef>
+        </p:style>
+      </p:cxnSp>
+    </p:spTree>
+    <p:extLst>
+      <p:ext uri="{BB962C8B-B14F-4D97-AF65-F5344CB8AC3E}">
+        <p14:creationId xmlns:p14="http://schemas.microsoft.com/office/powerpoint/2010/main" val="4033851295"/>
+      </p:ext>
+    </p:extLst>
+  </p:cSld>
+  <p:clrMapOvr>
+    <a:masterClrMapping/>
+  </p:clrMapOvr>
+</p:sld>
+</file>
+
 <file path=ppt/theme/theme1.xml><?xml version="1.0" encoding="utf-8"?>
 <a:theme xmlns:a="http://schemas.openxmlformats.org/drawingml/2006/main" name="Office 테마">
   <a:themeElements>

--- a/CreationalPattern도표.pptx
+++ b/CreationalPattern도표.pptx
@@ -7,6 +7,7 @@
   <p:sldIdLst>
     <p:sldId id="256" r:id="rId2"/>
     <p:sldId id="257" r:id="rId3"/>
+    <p:sldId id="258" r:id="rId4"/>
   </p:sldIdLst>
   <p:sldSz cx="12192000" cy="6858000"/>
   <p:notesSz cx="6858000" cy="9144000"/>
@@ -260,7 +261,7 @@
           <a:p>
             <a:fld id="{E6BCC248-88F6-4BB5-B48D-55066B313108}" type="datetimeFigureOut">
               <a:rPr lang="ko-KR" altLang="en-US" smtClean="0"/>
-              <a:t>2023-03-11</a:t>
+              <a:t>2023-03-13</a:t>
             </a:fld>
             <a:endParaRPr lang="ko-KR" altLang="en-US"/>
           </a:p>
@@ -458,7 +459,7 @@
           <a:p>
             <a:fld id="{E6BCC248-88F6-4BB5-B48D-55066B313108}" type="datetimeFigureOut">
               <a:rPr lang="ko-KR" altLang="en-US" smtClean="0"/>
-              <a:t>2023-03-11</a:t>
+              <a:t>2023-03-13</a:t>
             </a:fld>
             <a:endParaRPr lang="ko-KR" altLang="en-US"/>
           </a:p>
@@ -666,7 +667,7 @@
           <a:p>
             <a:fld id="{E6BCC248-88F6-4BB5-B48D-55066B313108}" type="datetimeFigureOut">
               <a:rPr lang="ko-KR" altLang="en-US" smtClean="0"/>
-              <a:t>2023-03-11</a:t>
+              <a:t>2023-03-13</a:t>
             </a:fld>
             <a:endParaRPr lang="ko-KR" altLang="en-US"/>
           </a:p>
@@ -864,7 +865,7 @@
           <a:p>
             <a:fld id="{E6BCC248-88F6-4BB5-B48D-55066B313108}" type="datetimeFigureOut">
               <a:rPr lang="ko-KR" altLang="en-US" smtClean="0"/>
-              <a:t>2023-03-11</a:t>
+              <a:t>2023-03-13</a:t>
             </a:fld>
             <a:endParaRPr lang="ko-KR" altLang="en-US"/>
           </a:p>
@@ -1139,7 +1140,7 @@
           <a:p>
             <a:fld id="{E6BCC248-88F6-4BB5-B48D-55066B313108}" type="datetimeFigureOut">
               <a:rPr lang="ko-KR" altLang="en-US" smtClean="0"/>
-              <a:t>2023-03-11</a:t>
+              <a:t>2023-03-13</a:t>
             </a:fld>
             <a:endParaRPr lang="ko-KR" altLang="en-US"/>
           </a:p>
@@ -1404,7 +1405,7 @@
           <a:p>
             <a:fld id="{E6BCC248-88F6-4BB5-B48D-55066B313108}" type="datetimeFigureOut">
               <a:rPr lang="ko-KR" altLang="en-US" smtClean="0"/>
-              <a:t>2023-03-11</a:t>
+              <a:t>2023-03-13</a:t>
             </a:fld>
             <a:endParaRPr lang="ko-KR" altLang="en-US"/>
           </a:p>
@@ -1816,7 +1817,7 @@
           <a:p>
             <a:fld id="{E6BCC248-88F6-4BB5-B48D-55066B313108}" type="datetimeFigureOut">
               <a:rPr lang="ko-KR" altLang="en-US" smtClean="0"/>
-              <a:t>2023-03-11</a:t>
+              <a:t>2023-03-13</a:t>
             </a:fld>
             <a:endParaRPr lang="ko-KR" altLang="en-US"/>
           </a:p>
@@ -1957,7 +1958,7 @@
           <a:p>
             <a:fld id="{E6BCC248-88F6-4BB5-B48D-55066B313108}" type="datetimeFigureOut">
               <a:rPr lang="ko-KR" altLang="en-US" smtClean="0"/>
-              <a:t>2023-03-11</a:t>
+              <a:t>2023-03-13</a:t>
             </a:fld>
             <a:endParaRPr lang="ko-KR" altLang="en-US"/>
           </a:p>
@@ -2070,7 +2071,7 @@
           <a:p>
             <a:fld id="{E6BCC248-88F6-4BB5-B48D-55066B313108}" type="datetimeFigureOut">
               <a:rPr lang="ko-KR" altLang="en-US" smtClean="0"/>
-              <a:t>2023-03-11</a:t>
+              <a:t>2023-03-13</a:t>
             </a:fld>
             <a:endParaRPr lang="ko-KR" altLang="en-US"/>
           </a:p>
@@ -2381,7 +2382,7 @@
           <a:p>
             <a:fld id="{E6BCC248-88F6-4BB5-B48D-55066B313108}" type="datetimeFigureOut">
               <a:rPr lang="ko-KR" altLang="en-US" smtClean="0"/>
-              <a:t>2023-03-11</a:t>
+              <a:t>2023-03-13</a:t>
             </a:fld>
             <a:endParaRPr lang="ko-KR" altLang="en-US"/>
           </a:p>
@@ -2669,7 +2670,7 @@
           <a:p>
             <a:fld id="{E6BCC248-88F6-4BB5-B48D-55066B313108}" type="datetimeFigureOut">
               <a:rPr lang="ko-KR" altLang="en-US" smtClean="0"/>
-              <a:t>2023-03-11</a:t>
+              <a:t>2023-03-13</a:t>
             </a:fld>
             <a:endParaRPr lang="ko-KR" altLang="en-US"/>
           </a:p>
@@ -2910,7 +2911,7 @@
           <a:p>
             <a:fld id="{E6BCC248-88F6-4BB5-B48D-55066B313108}" type="datetimeFigureOut">
               <a:rPr lang="ko-KR" altLang="en-US" smtClean="0"/>
-              <a:t>2023-03-11</a:t>
+              <a:t>2023-03-13</a:t>
             </a:fld>
             <a:endParaRPr lang="ko-KR" altLang="en-US"/>
           </a:p>
@@ -5133,6 +5134,511 @@
 </p:sld>
 </file>
 
+<file path=ppt/slides/slide3.xml><?xml version="1.0" encoding="utf-8"?>
+<p:sld xmlns:a="http://schemas.openxmlformats.org/drawingml/2006/main" xmlns:r="http://schemas.openxmlformats.org/officeDocument/2006/relationships" xmlns:p="http://schemas.openxmlformats.org/presentationml/2006/main">
+  <p:cSld>
+    <p:spTree>
+      <p:nvGrpSpPr>
+        <p:cNvPr id="1" name=""/>
+        <p:cNvGrpSpPr/>
+        <p:nvPr/>
+      </p:nvGrpSpPr>
+      <p:grpSpPr>
+        <a:xfrm>
+          <a:off x="0" y="0"/>
+          <a:ext cx="0" cy="0"/>
+          <a:chOff x="0" y="0"/>
+          <a:chExt cx="0" cy="0"/>
+        </a:xfrm>
+      </p:grpSpPr>
+      <p:sp>
+        <p:nvSpPr>
+          <p:cNvPr id="2" name="TextBox 1">
+            <a:extLst>
+              <a:ext uri="{FF2B5EF4-FFF2-40B4-BE49-F238E27FC236}">
+                <a16:creationId xmlns:a16="http://schemas.microsoft.com/office/drawing/2014/main" id="{468F8E2D-82D6-E245-B717-2B8AC9A2FE6D}"/>
+              </a:ext>
+            </a:extLst>
+          </p:cNvPr>
+          <p:cNvSpPr txBox="1"/>
+          <p:nvPr/>
+        </p:nvSpPr>
+        <p:spPr>
+          <a:xfrm>
+            <a:off x="1288869" y="687977"/>
+            <a:ext cx="3745384" cy="369332"/>
+          </a:xfrm>
+          <a:prstGeom prst="rect">
+            <a:avLst/>
+          </a:prstGeom>
+          <a:noFill/>
+        </p:spPr>
+        <p:txBody>
+          <a:bodyPr wrap="none" rtlCol="0">
+            <a:spAutoFit/>
+          </a:bodyPr>
+          <a:lstStyle/>
+          <a:p>
+            <a:r>
+              <a:rPr lang="en-US" altLang="ko-KR" dirty="0"/>
+              <a:t>Factory</a:t>
+            </a:r>
+            <a:r>
+              <a:rPr lang="ko-KR" altLang="en-US" dirty="0"/>
+              <a:t> </a:t>
+            </a:r>
+            <a:r>
+              <a:rPr lang="en-US" altLang="ko-KR" dirty="0"/>
+              <a:t>method (</a:t>
+            </a:r>
+            <a:r>
+              <a:rPr lang="ko-KR" altLang="en-US" dirty="0"/>
+              <a:t>팩토리 메서드</a:t>
+            </a:r>
+            <a:r>
+              <a:rPr lang="en-US" altLang="ko-KR" dirty="0"/>
+              <a:t>) : </a:t>
+            </a:r>
+          </a:p>
+        </p:txBody>
+      </p:sp>
+      <p:sp>
+        <p:nvSpPr>
+          <p:cNvPr id="4" name="직사각형 3">
+            <a:extLst>
+              <a:ext uri="{FF2B5EF4-FFF2-40B4-BE49-F238E27FC236}">
+                <a16:creationId xmlns:a16="http://schemas.microsoft.com/office/drawing/2014/main" id="{6B135E1A-8788-D3A0-8F96-4D9285D7A0CE}"/>
+              </a:ext>
+            </a:extLst>
+          </p:cNvPr>
+          <p:cNvSpPr/>
+          <p:nvPr/>
+        </p:nvSpPr>
+        <p:spPr>
+          <a:xfrm>
+            <a:off x="2155371" y="2994270"/>
+            <a:ext cx="2362200" cy="914400"/>
+          </a:xfrm>
+          <a:prstGeom prst="rect">
+            <a:avLst/>
+          </a:prstGeom>
+        </p:spPr>
+        <p:style>
+          <a:lnRef idx="2">
+            <a:schemeClr val="accent1">
+              <a:shade val="50000"/>
+            </a:schemeClr>
+          </a:lnRef>
+          <a:fillRef idx="1">
+            <a:schemeClr val="accent1"/>
+          </a:fillRef>
+          <a:effectRef idx="0">
+            <a:schemeClr val="accent1"/>
+          </a:effectRef>
+          <a:fontRef idx="minor">
+            <a:schemeClr val="lt1"/>
+          </a:fontRef>
+        </p:style>
+        <p:txBody>
+          <a:bodyPr rtlCol="0" anchor="ctr"/>
+          <a:lstStyle/>
+          <a:p>
+            <a:pPr algn="ctr"/>
+            <a:r>
+              <a:rPr lang="en-US" altLang="ko-KR" dirty="0"/>
+              <a:t>_product</a:t>
+            </a:r>
+            <a:endParaRPr lang="ko-KR" altLang="en-US" dirty="0"/>
+          </a:p>
+        </p:txBody>
+      </p:sp>
+      <p:sp>
+        <p:nvSpPr>
+          <p:cNvPr id="5" name="직사각형 4">
+            <a:extLst>
+              <a:ext uri="{FF2B5EF4-FFF2-40B4-BE49-F238E27FC236}">
+                <a16:creationId xmlns:a16="http://schemas.microsoft.com/office/drawing/2014/main" id="{51BA3897-CD7C-3798-2E6A-55C8DE959719}"/>
+              </a:ext>
+            </a:extLst>
+          </p:cNvPr>
+          <p:cNvSpPr/>
+          <p:nvPr/>
+        </p:nvSpPr>
+        <p:spPr>
+          <a:xfrm>
+            <a:off x="2155371" y="4833259"/>
+            <a:ext cx="2362200" cy="914400"/>
+          </a:xfrm>
+          <a:prstGeom prst="rect">
+            <a:avLst/>
+          </a:prstGeom>
+        </p:spPr>
+        <p:style>
+          <a:lnRef idx="2">
+            <a:schemeClr val="accent1">
+              <a:shade val="50000"/>
+            </a:schemeClr>
+          </a:lnRef>
+          <a:fillRef idx="1">
+            <a:schemeClr val="accent1"/>
+          </a:fillRef>
+          <a:effectRef idx="0">
+            <a:schemeClr val="accent1"/>
+          </a:effectRef>
+          <a:fontRef idx="minor">
+            <a:schemeClr val="lt1"/>
+          </a:fontRef>
+        </p:style>
+        <p:txBody>
+          <a:bodyPr rtlCol="0" anchor="ctr"/>
+          <a:lstStyle/>
+          <a:p>
+            <a:pPr algn="ctr"/>
+            <a:r>
+              <a:rPr lang="en-US" altLang="ko-KR" dirty="0" err="1"/>
+              <a:t>concrete_product</a:t>
+            </a:r>
+            <a:endParaRPr lang="ko-KR" altLang="en-US" dirty="0"/>
+          </a:p>
+        </p:txBody>
+      </p:sp>
+      <p:sp>
+        <p:nvSpPr>
+          <p:cNvPr id="6" name="직사각형 5">
+            <a:extLst>
+              <a:ext uri="{FF2B5EF4-FFF2-40B4-BE49-F238E27FC236}">
+                <a16:creationId xmlns:a16="http://schemas.microsoft.com/office/drawing/2014/main" id="{AFA18525-3369-5A24-4972-87F6C6629F57}"/>
+              </a:ext>
+            </a:extLst>
+          </p:cNvPr>
+          <p:cNvSpPr/>
+          <p:nvPr/>
+        </p:nvSpPr>
+        <p:spPr>
+          <a:xfrm>
+            <a:off x="6901543" y="2994270"/>
+            <a:ext cx="2362200" cy="914400"/>
+          </a:xfrm>
+          <a:prstGeom prst="rect">
+            <a:avLst/>
+          </a:prstGeom>
+        </p:spPr>
+        <p:style>
+          <a:lnRef idx="2">
+            <a:schemeClr val="accent1">
+              <a:shade val="50000"/>
+            </a:schemeClr>
+          </a:lnRef>
+          <a:fillRef idx="1">
+            <a:schemeClr val="accent1"/>
+          </a:fillRef>
+          <a:effectRef idx="0">
+            <a:schemeClr val="accent1"/>
+          </a:effectRef>
+          <a:fontRef idx="minor">
+            <a:schemeClr val="lt1"/>
+          </a:fontRef>
+        </p:style>
+        <p:txBody>
+          <a:bodyPr rtlCol="0" anchor="ctr"/>
+          <a:lstStyle/>
+          <a:p>
+            <a:pPr algn="ctr"/>
+            <a:r>
+              <a:rPr lang="en-US" altLang="ko-KR" dirty="0"/>
+              <a:t>creator</a:t>
+            </a:r>
+            <a:endParaRPr lang="ko-KR" altLang="en-US" dirty="0"/>
+          </a:p>
+        </p:txBody>
+      </p:sp>
+      <p:sp>
+        <p:nvSpPr>
+          <p:cNvPr id="7" name="직사각형 6">
+            <a:extLst>
+              <a:ext uri="{FF2B5EF4-FFF2-40B4-BE49-F238E27FC236}">
+                <a16:creationId xmlns:a16="http://schemas.microsoft.com/office/drawing/2014/main" id="{095443CA-60E7-9577-F326-57C6C96951B5}"/>
+              </a:ext>
+            </a:extLst>
+          </p:cNvPr>
+          <p:cNvSpPr/>
+          <p:nvPr/>
+        </p:nvSpPr>
+        <p:spPr>
+          <a:xfrm>
+            <a:off x="6901543" y="4833259"/>
+            <a:ext cx="2362200" cy="914400"/>
+          </a:xfrm>
+          <a:prstGeom prst="rect">
+            <a:avLst/>
+          </a:prstGeom>
+        </p:spPr>
+        <p:style>
+          <a:lnRef idx="2">
+            <a:schemeClr val="accent1">
+              <a:shade val="50000"/>
+            </a:schemeClr>
+          </a:lnRef>
+          <a:fillRef idx="1">
+            <a:schemeClr val="accent1"/>
+          </a:fillRef>
+          <a:effectRef idx="0">
+            <a:schemeClr val="accent1"/>
+          </a:effectRef>
+          <a:fontRef idx="minor">
+            <a:schemeClr val="lt1"/>
+          </a:fontRef>
+        </p:style>
+        <p:txBody>
+          <a:bodyPr rtlCol="0" anchor="ctr"/>
+          <a:lstStyle/>
+          <a:p>
+            <a:pPr algn="ctr"/>
+            <a:r>
+              <a:rPr lang="en-US" altLang="ko-KR" dirty="0" err="1"/>
+              <a:t>concrete_creator</a:t>
+            </a:r>
+            <a:endParaRPr lang="ko-KR" altLang="en-US" dirty="0"/>
+          </a:p>
+        </p:txBody>
+      </p:sp>
+      <p:sp>
+        <p:nvSpPr>
+          <p:cNvPr id="8" name="타원 7">
+            <a:extLst>
+              <a:ext uri="{FF2B5EF4-FFF2-40B4-BE49-F238E27FC236}">
+                <a16:creationId xmlns:a16="http://schemas.microsoft.com/office/drawing/2014/main" id="{44528B24-3941-F70D-AB00-D11C46C2784C}"/>
+              </a:ext>
+            </a:extLst>
+          </p:cNvPr>
+          <p:cNvSpPr/>
+          <p:nvPr/>
+        </p:nvSpPr>
+        <p:spPr>
+          <a:xfrm>
+            <a:off x="6988627" y="1242757"/>
+            <a:ext cx="2198914" cy="914399"/>
+          </a:xfrm>
+          <a:prstGeom prst="ellipse">
+            <a:avLst/>
+          </a:prstGeom>
+        </p:spPr>
+        <p:style>
+          <a:lnRef idx="2">
+            <a:schemeClr val="accent1">
+              <a:shade val="50000"/>
+            </a:schemeClr>
+          </a:lnRef>
+          <a:fillRef idx="1">
+            <a:schemeClr val="accent1"/>
+          </a:fillRef>
+          <a:effectRef idx="0">
+            <a:schemeClr val="accent1"/>
+          </a:effectRef>
+          <a:fontRef idx="minor">
+            <a:schemeClr val="lt1"/>
+          </a:fontRef>
+        </p:style>
+        <p:txBody>
+          <a:bodyPr rtlCol="0" anchor="ctr"/>
+          <a:lstStyle/>
+          <a:p>
+            <a:pPr algn="ctr"/>
+            <a:r>
+              <a:rPr lang="en-US" altLang="ko-KR" dirty="0"/>
+              <a:t>client</a:t>
+            </a:r>
+            <a:endParaRPr lang="ko-KR" altLang="en-US" dirty="0"/>
+          </a:p>
+        </p:txBody>
+      </p:sp>
+      <p:cxnSp>
+        <p:nvCxnSpPr>
+          <p:cNvPr id="10" name="직선 화살표 연결선 9">
+            <a:extLst>
+              <a:ext uri="{FF2B5EF4-FFF2-40B4-BE49-F238E27FC236}">
+                <a16:creationId xmlns:a16="http://schemas.microsoft.com/office/drawing/2014/main" id="{8532ED27-7886-C88A-1BA6-A64963BDDDF1}"/>
+              </a:ext>
+            </a:extLst>
+          </p:cNvPr>
+          <p:cNvCxnSpPr>
+            <a:stCxn id="4" idx="2"/>
+            <a:endCxn id="5" idx="0"/>
+          </p:cNvCxnSpPr>
+          <p:nvPr/>
+        </p:nvCxnSpPr>
+        <p:spPr>
+          <a:xfrm>
+            <a:off x="3336471" y="3908670"/>
+            <a:ext cx="0" cy="924589"/>
+          </a:xfrm>
+          <a:prstGeom prst="straightConnector1">
+            <a:avLst/>
+          </a:prstGeom>
+          <a:ln>
+            <a:tailEnd type="triangle"/>
+          </a:ln>
+        </p:spPr>
+        <p:style>
+          <a:lnRef idx="1">
+            <a:schemeClr val="accent1"/>
+          </a:lnRef>
+          <a:fillRef idx="0">
+            <a:schemeClr val="accent1"/>
+          </a:fillRef>
+          <a:effectRef idx="0">
+            <a:schemeClr val="accent1"/>
+          </a:effectRef>
+          <a:fontRef idx="minor">
+            <a:schemeClr val="tx1"/>
+          </a:fontRef>
+        </p:style>
+      </p:cxnSp>
+      <p:cxnSp>
+        <p:nvCxnSpPr>
+          <p:cNvPr id="12" name="직선 화살표 연결선 11">
+            <a:extLst>
+              <a:ext uri="{FF2B5EF4-FFF2-40B4-BE49-F238E27FC236}">
+                <a16:creationId xmlns:a16="http://schemas.microsoft.com/office/drawing/2014/main" id="{F83438ED-9659-53F0-BA7C-E20312C25D80}"/>
+              </a:ext>
+            </a:extLst>
+          </p:cNvPr>
+          <p:cNvCxnSpPr>
+            <a:stCxn id="6" idx="2"/>
+            <a:endCxn id="7" idx="0"/>
+          </p:cNvCxnSpPr>
+          <p:nvPr/>
+        </p:nvCxnSpPr>
+        <p:spPr>
+          <a:xfrm>
+            <a:off x="8082643" y="3908670"/>
+            <a:ext cx="0" cy="924589"/>
+          </a:xfrm>
+          <a:prstGeom prst="straightConnector1">
+            <a:avLst/>
+          </a:prstGeom>
+          <a:ln>
+            <a:tailEnd type="triangle"/>
+          </a:ln>
+        </p:spPr>
+        <p:style>
+          <a:lnRef idx="1">
+            <a:schemeClr val="accent1"/>
+          </a:lnRef>
+          <a:fillRef idx="0">
+            <a:schemeClr val="accent1"/>
+          </a:fillRef>
+          <a:effectRef idx="0">
+            <a:schemeClr val="accent1"/>
+          </a:effectRef>
+          <a:fontRef idx="minor">
+            <a:schemeClr val="tx1"/>
+          </a:fontRef>
+        </p:style>
+      </p:cxnSp>
+      <p:cxnSp>
+        <p:nvCxnSpPr>
+          <p:cNvPr id="14" name="직선 화살표 연결선 13">
+            <a:extLst>
+              <a:ext uri="{FF2B5EF4-FFF2-40B4-BE49-F238E27FC236}">
+                <a16:creationId xmlns:a16="http://schemas.microsoft.com/office/drawing/2014/main" id="{CA08C2A4-EFDF-AD2A-F62D-F3DB16CB77CB}"/>
+              </a:ext>
+            </a:extLst>
+          </p:cNvPr>
+          <p:cNvCxnSpPr>
+            <a:cxnSpLocks/>
+            <a:stCxn id="8" idx="4"/>
+            <a:endCxn id="6" idx="0"/>
+          </p:cNvCxnSpPr>
+          <p:nvPr/>
+        </p:nvCxnSpPr>
+        <p:spPr>
+          <a:xfrm flipH="1">
+            <a:off x="8082643" y="2157156"/>
+            <a:ext cx="5441" cy="837114"/>
+          </a:xfrm>
+          <a:prstGeom prst="straightConnector1">
+            <a:avLst/>
+          </a:prstGeom>
+          <a:ln>
+            <a:tailEnd type="triangle"/>
+          </a:ln>
+        </p:spPr>
+        <p:style>
+          <a:lnRef idx="1">
+            <a:schemeClr val="accent1"/>
+          </a:lnRef>
+          <a:fillRef idx="0">
+            <a:schemeClr val="accent1"/>
+          </a:fillRef>
+          <a:effectRef idx="0">
+            <a:schemeClr val="accent1"/>
+          </a:effectRef>
+          <a:fontRef idx="minor">
+            <a:schemeClr val="tx1"/>
+          </a:fontRef>
+        </p:style>
+      </p:cxnSp>
+      <p:cxnSp>
+        <p:nvCxnSpPr>
+          <p:cNvPr id="17" name="직선 화살표 연결선 16">
+            <a:extLst>
+              <a:ext uri="{FF2B5EF4-FFF2-40B4-BE49-F238E27FC236}">
+                <a16:creationId xmlns:a16="http://schemas.microsoft.com/office/drawing/2014/main" id="{4D9936C6-BC5A-4350-CDE9-A06CA94498F5}"/>
+              </a:ext>
+            </a:extLst>
+          </p:cNvPr>
+          <p:cNvCxnSpPr>
+            <a:cxnSpLocks/>
+            <a:stCxn id="5" idx="3"/>
+            <a:endCxn id="7" idx="1"/>
+          </p:cNvCxnSpPr>
+          <p:nvPr/>
+        </p:nvCxnSpPr>
+        <p:spPr>
+          <a:xfrm>
+            <a:off x="4517571" y="5290459"/>
+            <a:ext cx="2383972" cy="0"/>
+          </a:xfrm>
+          <a:prstGeom prst="straightConnector1">
+            <a:avLst/>
+          </a:prstGeom>
+          <a:ln>
+            <a:solidFill>
+              <a:srgbClr val="FFC000"/>
+            </a:solidFill>
+            <a:prstDash val="dashDot"/>
+            <a:tailEnd type="triangle"/>
+          </a:ln>
+        </p:spPr>
+        <p:style>
+          <a:lnRef idx="1">
+            <a:schemeClr val="accent1"/>
+          </a:lnRef>
+          <a:fillRef idx="0">
+            <a:schemeClr val="accent1"/>
+          </a:fillRef>
+          <a:effectRef idx="0">
+            <a:schemeClr val="accent1"/>
+          </a:effectRef>
+          <a:fontRef idx="minor">
+            <a:schemeClr val="tx1"/>
+          </a:fontRef>
+        </p:style>
+      </p:cxnSp>
+    </p:spTree>
+    <p:extLst>
+      <p:ext uri="{BB962C8B-B14F-4D97-AF65-F5344CB8AC3E}">
+        <p14:creationId xmlns:p14="http://schemas.microsoft.com/office/powerpoint/2010/main" val="4098551039"/>
+      </p:ext>
+    </p:extLst>
+  </p:cSld>
+  <p:clrMapOvr>
+    <a:masterClrMapping/>
+  </p:clrMapOvr>
+</p:sld>
+</file>
+
 <file path=ppt/theme/theme1.xml><?xml version="1.0" encoding="utf-8"?>
 <a:theme xmlns:a="http://schemas.openxmlformats.org/drawingml/2006/main" name="Office 테마">
   <a:themeElements>

--- a/CreationalPattern도표.pptx
+++ b/CreationalPattern도표.pptx
@@ -8,6 +8,7 @@
     <p:sldId id="256" r:id="rId2"/>
     <p:sldId id="257" r:id="rId3"/>
     <p:sldId id="258" r:id="rId4"/>
+    <p:sldId id="259" r:id="rId5"/>
   </p:sldIdLst>
   <p:sldSz cx="12192000" cy="6858000"/>
   <p:notesSz cx="6858000" cy="9144000"/>
@@ -261,7 +262,7 @@
           <a:p>
             <a:fld id="{E6BCC248-88F6-4BB5-B48D-55066B313108}" type="datetimeFigureOut">
               <a:rPr lang="ko-KR" altLang="en-US" smtClean="0"/>
-              <a:t>2023-03-13</a:t>
+              <a:t>2023-03-14</a:t>
             </a:fld>
             <a:endParaRPr lang="ko-KR" altLang="en-US"/>
           </a:p>
@@ -459,7 +460,7 @@
           <a:p>
             <a:fld id="{E6BCC248-88F6-4BB5-B48D-55066B313108}" type="datetimeFigureOut">
               <a:rPr lang="ko-KR" altLang="en-US" smtClean="0"/>
-              <a:t>2023-03-13</a:t>
+              <a:t>2023-03-14</a:t>
             </a:fld>
             <a:endParaRPr lang="ko-KR" altLang="en-US"/>
           </a:p>
@@ -667,7 +668,7 @@
           <a:p>
             <a:fld id="{E6BCC248-88F6-4BB5-B48D-55066B313108}" type="datetimeFigureOut">
               <a:rPr lang="ko-KR" altLang="en-US" smtClean="0"/>
-              <a:t>2023-03-13</a:t>
+              <a:t>2023-03-14</a:t>
             </a:fld>
             <a:endParaRPr lang="ko-KR" altLang="en-US"/>
           </a:p>
@@ -865,7 +866,7 @@
           <a:p>
             <a:fld id="{E6BCC248-88F6-4BB5-B48D-55066B313108}" type="datetimeFigureOut">
               <a:rPr lang="ko-KR" altLang="en-US" smtClean="0"/>
-              <a:t>2023-03-13</a:t>
+              <a:t>2023-03-14</a:t>
             </a:fld>
             <a:endParaRPr lang="ko-KR" altLang="en-US"/>
           </a:p>
@@ -1140,7 +1141,7 @@
           <a:p>
             <a:fld id="{E6BCC248-88F6-4BB5-B48D-55066B313108}" type="datetimeFigureOut">
               <a:rPr lang="ko-KR" altLang="en-US" smtClean="0"/>
-              <a:t>2023-03-13</a:t>
+              <a:t>2023-03-14</a:t>
             </a:fld>
             <a:endParaRPr lang="ko-KR" altLang="en-US"/>
           </a:p>
@@ -1405,7 +1406,7 @@
           <a:p>
             <a:fld id="{E6BCC248-88F6-4BB5-B48D-55066B313108}" type="datetimeFigureOut">
               <a:rPr lang="ko-KR" altLang="en-US" smtClean="0"/>
-              <a:t>2023-03-13</a:t>
+              <a:t>2023-03-14</a:t>
             </a:fld>
             <a:endParaRPr lang="ko-KR" altLang="en-US"/>
           </a:p>
@@ -1817,7 +1818,7 @@
           <a:p>
             <a:fld id="{E6BCC248-88F6-4BB5-B48D-55066B313108}" type="datetimeFigureOut">
               <a:rPr lang="ko-KR" altLang="en-US" smtClean="0"/>
-              <a:t>2023-03-13</a:t>
+              <a:t>2023-03-14</a:t>
             </a:fld>
             <a:endParaRPr lang="ko-KR" altLang="en-US"/>
           </a:p>
@@ -1958,7 +1959,7 @@
           <a:p>
             <a:fld id="{E6BCC248-88F6-4BB5-B48D-55066B313108}" type="datetimeFigureOut">
               <a:rPr lang="ko-KR" altLang="en-US" smtClean="0"/>
-              <a:t>2023-03-13</a:t>
+              <a:t>2023-03-14</a:t>
             </a:fld>
             <a:endParaRPr lang="ko-KR" altLang="en-US"/>
           </a:p>
@@ -2071,7 +2072,7 @@
           <a:p>
             <a:fld id="{E6BCC248-88F6-4BB5-B48D-55066B313108}" type="datetimeFigureOut">
               <a:rPr lang="ko-KR" altLang="en-US" smtClean="0"/>
-              <a:t>2023-03-13</a:t>
+              <a:t>2023-03-14</a:t>
             </a:fld>
             <a:endParaRPr lang="ko-KR" altLang="en-US"/>
           </a:p>
@@ -2382,7 +2383,7 @@
           <a:p>
             <a:fld id="{E6BCC248-88F6-4BB5-B48D-55066B313108}" type="datetimeFigureOut">
               <a:rPr lang="ko-KR" altLang="en-US" smtClean="0"/>
-              <a:t>2023-03-13</a:t>
+              <a:t>2023-03-14</a:t>
             </a:fld>
             <a:endParaRPr lang="ko-KR" altLang="en-US"/>
           </a:p>
@@ -2670,7 +2671,7 @@
           <a:p>
             <a:fld id="{E6BCC248-88F6-4BB5-B48D-55066B313108}" type="datetimeFigureOut">
               <a:rPr lang="ko-KR" altLang="en-US" smtClean="0"/>
-              <a:t>2023-03-13</a:t>
+              <a:t>2023-03-14</a:t>
             </a:fld>
             <a:endParaRPr lang="ko-KR" altLang="en-US"/>
           </a:p>
@@ -2911,7 +2912,7 @@
           <a:p>
             <a:fld id="{E6BCC248-88F6-4BB5-B48D-55066B313108}" type="datetimeFigureOut">
               <a:rPr lang="ko-KR" altLang="en-US" smtClean="0"/>
-              <a:t>2023-03-13</a:t>
+              <a:t>2023-03-14</a:t>
             </a:fld>
             <a:endParaRPr lang="ko-KR" altLang="en-US"/>
           </a:p>
@@ -5639,6 +5640,634 @@
 </p:sld>
 </file>
 
+<file path=ppt/slides/slide4.xml><?xml version="1.0" encoding="utf-8"?>
+<p:sld xmlns:a="http://schemas.openxmlformats.org/drawingml/2006/main" xmlns:r="http://schemas.openxmlformats.org/officeDocument/2006/relationships" xmlns:p="http://schemas.openxmlformats.org/presentationml/2006/main">
+  <p:cSld>
+    <p:spTree>
+      <p:nvGrpSpPr>
+        <p:cNvPr id="1" name=""/>
+        <p:cNvGrpSpPr/>
+        <p:nvPr/>
+      </p:nvGrpSpPr>
+      <p:grpSpPr>
+        <a:xfrm>
+          <a:off x="0" y="0"/>
+          <a:ext cx="0" cy="0"/>
+          <a:chOff x="0" y="0"/>
+          <a:chExt cx="0" cy="0"/>
+        </a:xfrm>
+      </p:grpSpPr>
+      <p:sp>
+        <p:nvSpPr>
+          <p:cNvPr id="2" name="TextBox 1">
+            <a:extLst>
+              <a:ext uri="{FF2B5EF4-FFF2-40B4-BE49-F238E27FC236}">
+                <a16:creationId xmlns:a16="http://schemas.microsoft.com/office/drawing/2014/main" id="{900B2B26-B60B-05EF-DDF7-4B06D8198F04}"/>
+              </a:ext>
+            </a:extLst>
+          </p:cNvPr>
+          <p:cNvSpPr txBox="1"/>
+          <p:nvPr/>
+        </p:nvSpPr>
+        <p:spPr>
+          <a:xfrm>
+            <a:off x="1288869" y="687977"/>
+            <a:ext cx="2297104" cy="369332"/>
+          </a:xfrm>
+          <a:prstGeom prst="rect">
+            <a:avLst/>
+          </a:prstGeom>
+          <a:noFill/>
+        </p:spPr>
+        <p:txBody>
+          <a:bodyPr wrap="none" rtlCol="0">
+            <a:spAutoFit/>
+          </a:bodyPr>
+          <a:lstStyle/>
+          <a:p>
+            <a:r>
+              <a:rPr lang="en-US" altLang="ko-KR" dirty="0"/>
+              <a:t>Singleton</a:t>
+            </a:r>
+            <a:r>
+              <a:rPr lang="ko-KR" altLang="en-US" dirty="0"/>
+              <a:t> </a:t>
+            </a:r>
+            <a:r>
+              <a:rPr lang="en-US" altLang="ko-KR" dirty="0"/>
+              <a:t>(</a:t>
+            </a:r>
+            <a:r>
+              <a:rPr lang="ko-KR" altLang="en-US" dirty="0" err="1"/>
+              <a:t>단일체</a:t>
+            </a:r>
+            <a:r>
+              <a:rPr lang="en-US" altLang="ko-KR" dirty="0"/>
+              <a:t>) : </a:t>
+            </a:r>
+          </a:p>
+        </p:txBody>
+      </p:sp>
+      <p:sp>
+        <p:nvSpPr>
+          <p:cNvPr id="3" name="직사각형 2">
+            <a:extLst>
+              <a:ext uri="{FF2B5EF4-FFF2-40B4-BE49-F238E27FC236}">
+                <a16:creationId xmlns:a16="http://schemas.microsoft.com/office/drawing/2014/main" id="{A5647473-EBDA-99F0-A55F-B77644309949}"/>
+              </a:ext>
+            </a:extLst>
+          </p:cNvPr>
+          <p:cNvSpPr/>
+          <p:nvPr/>
+        </p:nvSpPr>
+        <p:spPr>
+          <a:xfrm>
+            <a:off x="2558143" y="1719943"/>
+            <a:ext cx="2122715" cy="914400"/>
+          </a:xfrm>
+          <a:prstGeom prst="rect">
+            <a:avLst/>
+          </a:prstGeom>
+        </p:spPr>
+        <p:style>
+          <a:lnRef idx="2">
+            <a:schemeClr val="accent1">
+              <a:shade val="50000"/>
+            </a:schemeClr>
+          </a:lnRef>
+          <a:fillRef idx="1">
+            <a:schemeClr val="accent1"/>
+          </a:fillRef>
+          <a:effectRef idx="0">
+            <a:schemeClr val="accent1"/>
+          </a:effectRef>
+          <a:fontRef idx="minor">
+            <a:schemeClr val="lt1"/>
+          </a:fontRef>
+        </p:style>
+        <p:txBody>
+          <a:bodyPr rtlCol="0" anchor="ctr"/>
+          <a:lstStyle/>
+          <a:p>
+            <a:pPr algn="ctr"/>
+            <a:r>
+              <a:rPr lang="en-US" altLang="ko-KR" dirty="0"/>
+              <a:t>Singleton</a:t>
+            </a:r>
+            <a:endParaRPr lang="ko-KR" altLang="en-US" dirty="0"/>
+          </a:p>
+        </p:txBody>
+      </p:sp>
+      <p:sp>
+        <p:nvSpPr>
+          <p:cNvPr id="5" name="직사각형 4">
+            <a:extLst>
+              <a:ext uri="{FF2B5EF4-FFF2-40B4-BE49-F238E27FC236}">
+                <a16:creationId xmlns:a16="http://schemas.microsoft.com/office/drawing/2014/main" id="{68B0AC79-3B0E-D103-F4B9-C7C8F5058944}"/>
+              </a:ext>
+            </a:extLst>
+          </p:cNvPr>
+          <p:cNvSpPr/>
+          <p:nvPr/>
+        </p:nvSpPr>
+        <p:spPr>
+          <a:xfrm>
+            <a:off x="5973102" y="1719943"/>
+            <a:ext cx="2793056" cy="914400"/>
+          </a:xfrm>
+          <a:prstGeom prst="rect">
+            <a:avLst/>
+          </a:prstGeom>
+        </p:spPr>
+        <p:style>
+          <a:lnRef idx="2">
+            <a:schemeClr val="accent1">
+              <a:shade val="50000"/>
+            </a:schemeClr>
+          </a:lnRef>
+          <a:fillRef idx="1">
+            <a:schemeClr val="accent1"/>
+          </a:fillRef>
+          <a:effectRef idx="0">
+            <a:schemeClr val="accent1"/>
+          </a:effectRef>
+          <a:fontRef idx="minor">
+            <a:schemeClr val="lt1"/>
+          </a:fontRef>
+        </p:style>
+        <p:txBody>
+          <a:bodyPr rtlCol="0" anchor="ctr"/>
+          <a:lstStyle/>
+          <a:p>
+            <a:pPr algn="ctr"/>
+            <a:r>
+              <a:rPr lang="en-US" altLang="ko-KR" dirty="0"/>
+              <a:t>Return </a:t>
+            </a:r>
+            <a:r>
+              <a:rPr lang="en-US" altLang="ko-KR" dirty="0" err="1"/>
+              <a:t>uniqueinstatnce</a:t>
+            </a:r>
+            <a:endParaRPr lang="ko-KR" altLang="en-US" dirty="0"/>
+          </a:p>
+        </p:txBody>
+      </p:sp>
+      <p:cxnSp>
+        <p:nvCxnSpPr>
+          <p:cNvPr id="7" name="직선 화살표 연결선 6">
+            <a:extLst>
+              <a:ext uri="{FF2B5EF4-FFF2-40B4-BE49-F238E27FC236}">
+                <a16:creationId xmlns:a16="http://schemas.microsoft.com/office/drawing/2014/main" id="{4398A099-B72C-29A7-90B1-29E228736E88}"/>
+              </a:ext>
+            </a:extLst>
+          </p:cNvPr>
+          <p:cNvCxnSpPr>
+            <a:stCxn id="3" idx="3"/>
+            <a:endCxn id="5" idx="1"/>
+          </p:cNvCxnSpPr>
+          <p:nvPr/>
+        </p:nvCxnSpPr>
+        <p:spPr>
+          <a:xfrm>
+            <a:off x="4680858" y="2177143"/>
+            <a:ext cx="1292244" cy="0"/>
+          </a:xfrm>
+          <a:prstGeom prst="straightConnector1">
+            <a:avLst/>
+          </a:prstGeom>
+          <a:ln>
+            <a:solidFill>
+              <a:srgbClr val="FFC000"/>
+            </a:solidFill>
+            <a:prstDash val="dashDot"/>
+            <a:tailEnd type="triangle"/>
+          </a:ln>
+        </p:spPr>
+        <p:style>
+          <a:lnRef idx="1">
+            <a:schemeClr val="accent1"/>
+          </a:lnRef>
+          <a:fillRef idx="0">
+            <a:schemeClr val="accent1"/>
+          </a:fillRef>
+          <a:effectRef idx="0">
+            <a:schemeClr val="accent1"/>
+          </a:effectRef>
+          <a:fontRef idx="minor">
+            <a:schemeClr val="tx1"/>
+          </a:fontRef>
+        </p:style>
+      </p:cxnSp>
+      <p:sp>
+        <p:nvSpPr>
+          <p:cNvPr id="9" name="TextBox 8">
+            <a:extLst>
+              <a:ext uri="{FF2B5EF4-FFF2-40B4-BE49-F238E27FC236}">
+                <a16:creationId xmlns:a16="http://schemas.microsoft.com/office/drawing/2014/main" id="{38C1663B-864A-ABE1-6BA7-FFC1D3050206}"/>
+              </a:ext>
+            </a:extLst>
+          </p:cNvPr>
+          <p:cNvSpPr txBox="1"/>
+          <p:nvPr/>
+        </p:nvSpPr>
+        <p:spPr>
+          <a:xfrm>
+            <a:off x="1288869" y="3429000"/>
+            <a:ext cx="2109488" cy="369332"/>
+          </a:xfrm>
+          <a:prstGeom prst="rect">
+            <a:avLst/>
+          </a:prstGeom>
+          <a:noFill/>
+        </p:spPr>
+        <p:txBody>
+          <a:bodyPr wrap="none" rtlCol="0">
+            <a:spAutoFit/>
+          </a:bodyPr>
+          <a:lstStyle/>
+          <a:p>
+            <a:r>
+              <a:rPr lang="en-US" altLang="ko-KR" dirty="0"/>
+              <a:t>prototype</a:t>
+            </a:r>
+            <a:r>
+              <a:rPr lang="ko-KR" altLang="en-US" dirty="0"/>
+              <a:t> </a:t>
+            </a:r>
+            <a:r>
+              <a:rPr lang="en-US" altLang="ko-KR" dirty="0"/>
+              <a:t>(</a:t>
+            </a:r>
+            <a:r>
+              <a:rPr lang="ko-KR" altLang="en-US" dirty="0"/>
+              <a:t>원형</a:t>
+            </a:r>
+            <a:r>
+              <a:rPr lang="en-US" altLang="ko-KR" dirty="0"/>
+              <a:t>) : </a:t>
+            </a:r>
+          </a:p>
+        </p:txBody>
+      </p:sp>
+      <p:sp>
+        <p:nvSpPr>
+          <p:cNvPr id="10" name="직사각형 9">
+            <a:extLst>
+              <a:ext uri="{FF2B5EF4-FFF2-40B4-BE49-F238E27FC236}">
+                <a16:creationId xmlns:a16="http://schemas.microsoft.com/office/drawing/2014/main" id="{7A974544-E289-9278-FA8A-A1FF2FB8DDDB}"/>
+              </a:ext>
+            </a:extLst>
+          </p:cNvPr>
+          <p:cNvSpPr/>
+          <p:nvPr/>
+        </p:nvSpPr>
+        <p:spPr>
+          <a:xfrm>
+            <a:off x="7620001" y="3429000"/>
+            <a:ext cx="1611085" cy="794658"/>
+          </a:xfrm>
+          <a:prstGeom prst="rect">
+            <a:avLst/>
+          </a:prstGeom>
+        </p:spPr>
+        <p:style>
+          <a:lnRef idx="2">
+            <a:schemeClr val="accent1">
+              <a:shade val="50000"/>
+            </a:schemeClr>
+          </a:lnRef>
+          <a:fillRef idx="1">
+            <a:schemeClr val="accent1"/>
+          </a:fillRef>
+          <a:effectRef idx="0">
+            <a:schemeClr val="accent1"/>
+          </a:effectRef>
+          <a:fontRef idx="minor">
+            <a:schemeClr val="lt1"/>
+          </a:fontRef>
+        </p:style>
+        <p:txBody>
+          <a:bodyPr rtlCol="0" anchor="ctr"/>
+          <a:lstStyle/>
+          <a:p>
+            <a:pPr algn="ctr"/>
+            <a:r>
+              <a:rPr lang="en-US" altLang="ko-KR" dirty="0"/>
+              <a:t>prototype</a:t>
+            </a:r>
+            <a:endParaRPr lang="ko-KR" altLang="en-US" dirty="0"/>
+          </a:p>
+        </p:txBody>
+      </p:sp>
+      <p:sp>
+        <p:nvSpPr>
+          <p:cNvPr id="11" name="직사각형 10">
+            <a:extLst>
+              <a:ext uri="{FF2B5EF4-FFF2-40B4-BE49-F238E27FC236}">
+                <a16:creationId xmlns:a16="http://schemas.microsoft.com/office/drawing/2014/main" id="{04025D28-5E42-56BA-33A9-BD4EB08F96EF}"/>
+              </a:ext>
+            </a:extLst>
+          </p:cNvPr>
+          <p:cNvSpPr/>
+          <p:nvPr/>
+        </p:nvSpPr>
+        <p:spPr>
+          <a:xfrm>
+            <a:off x="6096000" y="5029200"/>
+            <a:ext cx="1611085" cy="1273628"/>
+          </a:xfrm>
+          <a:prstGeom prst="rect">
+            <a:avLst/>
+          </a:prstGeom>
+        </p:spPr>
+        <p:style>
+          <a:lnRef idx="2">
+            <a:schemeClr val="accent1">
+              <a:shade val="50000"/>
+            </a:schemeClr>
+          </a:lnRef>
+          <a:fillRef idx="1">
+            <a:schemeClr val="accent1"/>
+          </a:fillRef>
+          <a:effectRef idx="0">
+            <a:schemeClr val="accent1"/>
+          </a:effectRef>
+          <a:fontRef idx="minor">
+            <a:schemeClr val="lt1"/>
+          </a:fontRef>
+        </p:style>
+        <p:txBody>
+          <a:bodyPr rtlCol="0" anchor="ctr"/>
+          <a:lstStyle/>
+          <a:p>
+            <a:pPr algn="ctr"/>
+            <a:r>
+              <a:rPr lang="en-US" altLang="ko-KR" dirty="0"/>
+              <a:t>Concrete_</a:t>
+            </a:r>
+          </a:p>
+          <a:p>
+            <a:pPr algn="ctr"/>
+            <a:r>
+              <a:rPr lang="en-US" altLang="ko-KR" dirty="0"/>
+              <a:t>prototype1</a:t>
+            </a:r>
+            <a:endParaRPr lang="ko-KR" altLang="en-US" dirty="0"/>
+          </a:p>
+        </p:txBody>
+      </p:sp>
+      <p:sp>
+        <p:nvSpPr>
+          <p:cNvPr id="13" name="직사각형 12">
+            <a:extLst>
+              <a:ext uri="{FF2B5EF4-FFF2-40B4-BE49-F238E27FC236}">
+                <a16:creationId xmlns:a16="http://schemas.microsoft.com/office/drawing/2014/main" id="{6468CB63-7889-FA55-94CA-5644F489ACB8}"/>
+              </a:ext>
+            </a:extLst>
+          </p:cNvPr>
+          <p:cNvSpPr/>
+          <p:nvPr/>
+        </p:nvSpPr>
+        <p:spPr>
+          <a:xfrm>
+            <a:off x="8980715" y="5029200"/>
+            <a:ext cx="1611085" cy="1273628"/>
+          </a:xfrm>
+          <a:prstGeom prst="rect">
+            <a:avLst/>
+          </a:prstGeom>
+        </p:spPr>
+        <p:style>
+          <a:lnRef idx="2">
+            <a:schemeClr val="accent1">
+              <a:shade val="50000"/>
+            </a:schemeClr>
+          </a:lnRef>
+          <a:fillRef idx="1">
+            <a:schemeClr val="accent1"/>
+          </a:fillRef>
+          <a:effectRef idx="0">
+            <a:schemeClr val="accent1"/>
+          </a:effectRef>
+          <a:fontRef idx="minor">
+            <a:schemeClr val="lt1"/>
+          </a:fontRef>
+        </p:style>
+        <p:txBody>
+          <a:bodyPr rtlCol="0" anchor="ctr"/>
+          <a:lstStyle/>
+          <a:p>
+            <a:pPr algn="ctr"/>
+            <a:r>
+              <a:rPr lang="en-US" altLang="ko-KR" dirty="0"/>
+              <a:t>Concrete_</a:t>
+            </a:r>
+          </a:p>
+          <a:p>
+            <a:pPr algn="ctr"/>
+            <a:r>
+              <a:rPr lang="en-US" altLang="ko-KR" dirty="0"/>
+              <a:t>Prototype2</a:t>
+            </a:r>
+          </a:p>
+        </p:txBody>
+      </p:sp>
+      <p:sp>
+        <p:nvSpPr>
+          <p:cNvPr id="14" name="타원 13">
+            <a:extLst>
+              <a:ext uri="{FF2B5EF4-FFF2-40B4-BE49-F238E27FC236}">
+                <a16:creationId xmlns:a16="http://schemas.microsoft.com/office/drawing/2014/main" id="{09DE0FE0-FF56-DD2A-D041-E288A9DABB37}"/>
+              </a:ext>
+            </a:extLst>
+          </p:cNvPr>
+          <p:cNvSpPr/>
+          <p:nvPr/>
+        </p:nvSpPr>
+        <p:spPr>
+          <a:xfrm>
+            <a:off x="3619500" y="3374570"/>
+            <a:ext cx="2198914" cy="914399"/>
+          </a:xfrm>
+          <a:prstGeom prst="ellipse">
+            <a:avLst/>
+          </a:prstGeom>
+        </p:spPr>
+        <p:style>
+          <a:lnRef idx="2">
+            <a:schemeClr val="accent1">
+              <a:shade val="50000"/>
+            </a:schemeClr>
+          </a:lnRef>
+          <a:fillRef idx="1">
+            <a:schemeClr val="accent1"/>
+          </a:fillRef>
+          <a:effectRef idx="0">
+            <a:schemeClr val="accent1"/>
+          </a:effectRef>
+          <a:fontRef idx="minor">
+            <a:schemeClr val="lt1"/>
+          </a:fontRef>
+        </p:style>
+        <p:txBody>
+          <a:bodyPr rtlCol="0" anchor="ctr"/>
+          <a:lstStyle/>
+          <a:p>
+            <a:pPr algn="ctr"/>
+            <a:r>
+              <a:rPr lang="en-US" altLang="ko-KR" dirty="0"/>
+              <a:t>client</a:t>
+            </a:r>
+            <a:endParaRPr lang="ko-KR" altLang="en-US" dirty="0"/>
+          </a:p>
+        </p:txBody>
+      </p:sp>
+      <p:cxnSp>
+        <p:nvCxnSpPr>
+          <p:cNvPr id="16" name="직선 화살표 연결선 15">
+            <a:extLst>
+              <a:ext uri="{FF2B5EF4-FFF2-40B4-BE49-F238E27FC236}">
+                <a16:creationId xmlns:a16="http://schemas.microsoft.com/office/drawing/2014/main" id="{CE1E2E5F-9AE1-E9D1-BD96-449A61A4AAA1}"/>
+              </a:ext>
+            </a:extLst>
+          </p:cNvPr>
+          <p:cNvCxnSpPr>
+            <a:stCxn id="14" idx="6"/>
+            <a:endCxn id="10" idx="1"/>
+          </p:cNvCxnSpPr>
+          <p:nvPr/>
+        </p:nvCxnSpPr>
+        <p:spPr>
+          <a:xfrm flipV="1">
+            <a:off x="5818414" y="3826329"/>
+            <a:ext cx="1801587" cy="5441"/>
+          </a:xfrm>
+          <a:prstGeom prst="straightConnector1">
+            <a:avLst/>
+          </a:prstGeom>
+          <a:ln>
+            <a:solidFill>
+              <a:srgbClr val="FFC000"/>
+            </a:solidFill>
+            <a:prstDash val="dashDot"/>
+            <a:tailEnd type="triangle"/>
+          </a:ln>
+        </p:spPr>
+        <p:style>
+          <a:lnRef idx="1">
+            <a:schemeClr val="accent1"/>
+          </a:lnRef>
+          <a:fillRef idx="0">
+            <a:schemeClr val="accent1"/>
+          </a:fillRef>
+          <a:effectRef idx="0">
+            <a:schemeClr val="accent1"/>
+          </a:effectRef>
+          <a:fontRef idx="minor">
+            <a:schemeClr val="tx1"/>
+          </a:fontRef>
+        </p:style>
+      </p:cxnSp>
+      <p:cxnSp>
+        <p:nvCxnSpPr>
+          <p:cNvPr id="19" name="연결선: 꺾임 18">
+            <a:extLst>
+              <a:ext uri="{FF2B5EF4-FFF2-40B4-BE49-F238E27FC236}">
+                <a16:creationId xmlns:a16="http://schemas.microsoft.com/office/drawing/2014/main" id="{D13A88F1-1958-B6F0-3104-C5669683D3D3}"/>
+              </a:ext>
+            </a:extLst>
+          </p:cNvPr>
+          <p:cNvCxnSpPr>
+            <a:cxnSpLocks/>
+            <a:stCxn id="10" idx="2"/>
+            <a:endCxn id="11" idx="0"/>
+          </p:cNvCxnSpPr>
+          <p:nvPr/>
+        </p:nvCxnSpPr>
+        <p:spPr>
+          <a:xfrm rot="5400000">
+            <a:off x="7260773" y="3864429"/>
+            <a:ext cx="805542" cy="1524001"/>
+          </a:xfrm>
+          <a:prstGeom prst="bentConnector3">
+            <a:avLst>
+              <a:gd name="adj1" fmla="val 50000"/>
+            </a:avLst>
+          </a:prstGeom>
+          <a:ln>
+            <a:tailEnd type="triangle"/>
+          </a:ln>
+        </p:spPr>
+        <p:style>
+          <a:lnRef idx="1">
+            <a:schemeClr val="accent1"/>
+          </a:lnRef>
+          <a:fillRef idx="0">
+            <a:schemeClr val="accent1"/>
+          </a:fillRef>
+          <a:effectRef idx="0">
+            <a:schemeClr val="accent1"/>
+          </a:effectRef>
+          <a:fontRef idx="minor">
+            <a:schemeClr val="tx1"/>
+          </a:fontRef>
+        </p:style>
+      </p:cxnSp>
+      <p:cxnSp>
+        <p:nvCxnSpPr>
+          <p:cNvPr id="22" name="연결선: 꺾임 21">
+            <a:extLst>
+              <a:ext uri="{FF2B5EF4-FFF2-40B4-BE49-F238E27FC236}">
+                <a16:creationId xmlns:a16="http://schemas.microsoft.com/office/drawing/2014/main" id="{ECA56D9C-A3BD-AB72-5334-288F7B8D45C7}"/>
+              </a:ext>
+            </a:extLst>
+          </p:cNvPr>
+          <p:cNvCxnSpPr>
+            <a:stCxn id="10" idx="2"/>
+            <a:endCxn id="13" idx="0"/>
+          </p:cNvCxnSpPr>
+          <p:nvPr/>
+        </p:nvCxnSpPr>
+        <p:spPr>
+          <a:xfrm rot="16200000" flipH="1">
+            <a:off x="8703130" y="3946072"/>
+            <a:ext cx="805542" cy="1360714"/>
+          </a:xfrm>
+          <a:prstGeom prst="bentConnector3">
+            <a:avLst/>
+          </a:prstGeom>
+          <a:ln>
+            <a:tailEnd type="triangle"/>
+          </a:ln>
+        </p:spPr>
+        <p:style>
+          <a:lnRef idx="1">
+            <a:schemeClr val="accent1"/>
+          </a:lnRef>
+          <a:fillRef idx="0">
+            <a:schemeClr val="accent1"/>
+          </a:fillRef>
+          <a:effectRef idx="0">
+            <a:schemeClr val="accent1"/>
+          </a:effectRef>
+          <a:fontRef idx="minor">
+            <a:schemeClr val="tx1"/>
+          </a:fontRef>
+        </p:style>
+      </p:cxnSp>
+    </p:spTree>
+    <p:extLst>
+      <p:ext uri="{BB962C8B-B14F-4D97-AF65-F5344CB8AC3E}">
+        <p14:creationId xmlns:p14="http://schemas.microsoft.com/office/powerpoint/2010/main" val="535043809"/>
+      </p:ext>
+    </p:extLst>
+  </p:cSld>
+  <p:clrMapOvr>
+    <a:masterClrMapping/>
+  </p:clrMapOvr>
+</p:sld>
+</file>
+
 <file path=ppt/theme/theme1.xml><?xml version="1.0" encoding="utf-8"?>
 <a:theme xmlns:a="http://schemas.openxmlformats.org/drawingml/2006/main" name="Office 테마">
   <a:themeElements>
